--- a/inacol2018/2018-10-23_iNACOL_Emerging_Technology.pptx
+++ b/inacol2018/2018-10-23_iNACOL_Emerging_Technology.pptx
@@ -120,6 +120,11 @@
       </a:defRPr>
     </a:lvl9pPr>
   </p:defaultTextStyle>
+  <p:extLst>
+    <p:ext uri="{EFAFB233-063F-42B5-8137-9DF3F51BA10A}">
+      <p15:sldGuideLst xmlns:p15="http://schemas.microsoft.com/office/powerpoint/2012/main"/>
+    </p:ext>
+  </p:extLst>
 </p:presentation>
 </file>
 
@@ -720,7 +725,7 @@
           <a:p>
             <a:fld id="{5BE86F98-CD77-4B49-AFAA-63404F4B5A44}" type="datetimeFigureOut">
               <a:rPr lang="en-US" smtClean="0"/>
-              <a:t>2018-10-21</a:t>
+              <a:t>2018-10-23</a:t>
             </a:fld>
             <a:endParaRPr lang="en-US"/>
           </a:p>
@@ -1505,7 +1510,7 @@
           <a:p>
             <a:fld id="{7B24564E-176E-43F5-8BDB-E1D3129DDBF2}" type="datetime1">
               <a:rPr lang="en-US" smtClean="0"/>
-              <a:t>2018-10-21</a:t>
+              <a:t>2018-10-23</a:t>
             </a:fld>
             <a:endParaRPr lang="en-US" dirty="0"/>
           </a:p>
@@ -1675,7 +1680,7 @@
           <a:p>
             <a:fld id="{B03F5BA7-0D30-4464-A4CC-2E03CFEE3E07}" type="datetime1">
               <a:rPr lang="en-US" smtClean="0"/>
-              <a:t>2018-10-21</a:t>
+              <a:t>2018-10-23</a:t>
             </a:fld>
             <a:endParaRPr lang="en-US" dirty="0"/>
           </a:p>
@@ -1855,7 +1860,7 @@
           <a:p>
             <a:fld id="{B88C5E07-AC25-4641-A830-C4084AA01B98}" type="datetime1">
               <a:rPr lang="en-US" smtClean="0"/>
-              <a:t>2018-10-21</a:t>
+              <a:t>2018-10-23</a:t>
             </a:fld>
             <a:endParaRPr lang="en-US" dirty="0"/>
           </a:p>
@@ -2025,7 +2030,7 @@
           <a:p>
             <a:fld id="{E22F2534-FEF9-4A91-803B-474A5123D832}" type="datetime1">
               <a:rPr lang="en-US" smtClean="0"/>
-              <a:t>2018-10-21</a:t>
+              <a:t>2018-10-23</a:t>
             </a:fld>
             <a:endParaRPr lang="en-US" dirty="0"/>
           </a:p>
@@ -2269,7 +2274,7 @@
           <a:p>
             <a:fld id="{8F28B255-80C3-42FA-808D-B7BB79FC169C}" type="datetime1">
               <a:rPr lang="en-US" smtClean="0"/>
-              <a:t>2018-10-21</a:t>
+              <a:t>2018-10-23</a:t>
             </a:fld>
             <a:endParaRPr lang="en-US" dirty="0"/>
           </a:p>
@@ -2501,7 +2506,7 @@
           <a:p>
             <a:fld id="{7B9108AA-7DEC-4C75-8CC6-DE7F777AB036}" type="datetime1">
               <a:rPr lang="en-US" smtClean="0"/>
-              <a:t>2018-10-21</a:t>
+              <a:t>2018-10-23</a:t>
             </a:fld>
             <a:endParaRPr lang="en-US" dirty="0"/>
           </a:p>
@@ -2868,7 +2873,7 @@
           <a:p>
             <a:fld id="{FF906C87-67F3-4B78-8B05-2DE03BB13237}" type="datetime1">
               <a:rPr lang="en-US" smtClean="0"/>
-              <a:t>2018-10-21</a:t>
+              <a:t>2018-10-23</a:t>
             </a:fld>
             <a:endParaRPr lang="en-US" dirty="0"/>
           </a:p>
@@ -2986,7 +2991,7 @@
           <a:p>
             <a:fld id="{616E946B-08AB-4C7D-950A-DF2A09399C5D}" type="datetime1">
               <a:rPr lang="en-US" smtClean="0"/>
-              <a:t>2018-10-21</a:t>
+              <a:t>2018-10-23</a:t>
             </a:fld>
             <a:endParaRPr lang="en-US" dirty="0"/>
           </a:p>
@@ -3081,7 +3086,7 @@
           <a:p>
             <a:fld id="{71673B67-ABE1-4C0B-90C0-80EF9580F8AE}" type="datetime1">
               <a:rPr lang="en-US" smtClean="0"/>
-              <a:t>2018-10-21</a:t>
+              <a:t>2018-10-23</a:t>
             </a:fld>
             <a:endParaRPr lang="en-US" dirty="0"/>
           </a:p>
@@ -3358,7 +3363,7 @@
           <a:p>
             <a:fld id="{D071CA0E-A205-4329-AD16-23064CB3FF4E}" type="datetime1">
               <a:rPr lang="en-US" smtClean="0"/>
-              <a:t>2018-10-21</a:t>
+              <a:t>2018-10-23</a:t>
             </a:fld>
             <a:endParaRPr lang="en-US" dirty="0"/>
           </a:p>
@@ -3615,7 +3620,7 @@
           <a:p>
             <a:fld id="{BC431C56-BA9C-4844-B64C-F544E0D7C90F}" type="datetime1">
               <a:rPr lang="en-US" smtClean="0"/>
-              <a:t>2018-10-21</a:t>
+              <a:t>2018-10-23</a:t>
             </a:fld>
             <a:endParaRPr lang="en-US" dirty="0"/>
           </a:p>
@@ -3828,7 +3833,7 @@
           <a:p>
             <a:fld id="{ED794465-641C-4A42-874B-50C5CB473A10}" type="datetime1">
               <a:rPr lang="en-US" smtClean="0"/>
-              <a:t>2018-10-21</a:t>
+              <a:t>2018-10-23</a:t>
             </a:fld>
             <a:endParaRPr lang="en-US" dirty="0"/>
           </a:p>
@@ -4407,7 +4412,13 @@
               <a:rPr lang="en-US" dirty="0">
                 <a:hlinkClick r:id="rId2"/>
               </a:rPr>
-              <a:t>https://brandtredd.org/inacol2018.html</a:t>
+              <a:t>https://brandtredd.org</a:t>
+            </a:r>
+            <a:r>
+              <a:rPr lang="en-US">
+                <a:hlinkClick r:id="rId2"/>
+              </a:rPr>
+              <a:t>/inacol2018</a:t>
             </a:r>
             <a:endParaRPr lang="en-US" dirty="0"/>
           </a:p>
